--- a/SOF2-Theory-2-LinearDataStructures.pptx
+++ b/SOF2-Theory-2-LinearDataStructures.pptx
@@ -1,6 +1,6 @@
 
 <file path=ppt/presentation.xml><?xml version="1.0" encoding="utf-8"?>
-<p:presentation xmlns:a="http://schemas.openxmlformats.org/drawingml/2006/main" xmlns:r="http://schemas.openxmlformats.org/officeDocument/2006/relationships" xmlns:p="http://schemas.openxmlformats.org/presentationml/2006/main" showSpecialPlsOnTitleSld="0" saveSubsetFonts="1" autoCompressPictures="0">
+<p:presentation xmlns:a="http://schemas.openxmlformats.org/drawingml/2006/main" xmlns:r="http://schemas.openxmlformats.org/officeDocument/2006/relationships" xmlns:p="http://schemas.openxmlformats.org/presentationml/2006/main" showSpecialPlsOnTitleSld="0" removePersonalInfoOnSave="1" saveSubsetFonts="1" autoCompressPictures="0">
   <p:sldMasterIdLst>
     <p:sldMasterId id="2147483648" r:id="rId1"/>
   </p:sldMasterIdLst>
@@ -259,7 +259,7 @@
           <a:p>
             <a:fld id="{00764039-9679-7846-8D8C-9A6D2646E37A}" type="datetimeFigureOut">
               <a:rPr lang="en-US" smtClean="0"/>
-              <a:t>12/26/2023</a:t>
+              <a:t>3/26/2024</a:t>
             </a:fld>
             <a:endParaRPr lang="en-US"/>
           </a:p>
